--- a/Ultimate Pixel Racers Presi.pptx
+++ b/Ultimate Pixel Racers Presi.pptx
@@ -115,6 +115,11 @@
       </a:defRPr>
     </a:lvl9pPr>
   </p:defaultTextStyle>
+  <p:extLst>
+    <p:ext uri="{EFAFB233-063F-42B5-8137-9DF3F51BA10A}">
+      <p15:sldGuideLst xmlns:p15="http://schemas.microsoft.com/office/powerpoint/2012/main"/>
+    </p:ext>
+  </p:extLst>
 </p:presentation>
 </file>
 
@@ -3681,13 +3686,13 @@
   <p:clrMapOvr>
     <a:masterClrMapping/>
   </p:clrMapOvr>
-  <mc:AlternateContent xmlns:mc="http://schemas.openxmlformats.org/markup-compatibility/2006">
-    <mc:Choice xmlns:p14="http://schemas.microsoft.com/office/powerpoint/2010/main" Requires="p14">
+  <mc:AlternateContent xmlns:mc="http://schemas.openxmlformats.org/markup-compatibility/2006" xmlns:p14="http://schemas.microsoft.com/office/powerpoint/2010/main">
+    <mc:Choice Requires="p14">
       <p:transition spd="med" p14:dur="700">
         <p:fade/>
       </p:transition>
     </mc:Choice>
-    <mc:Fallback>
+    <mc:Fallback xmlns="">
       <p:transition spd="med">
         <p:fade/>
       </p:transition>
@@ -3762,6 +3767,17 @@
           <a:bodyPr/>
           <a:lstStyle/>
           <a:p>
+            <a:r>
+              <a:rPr lang="de-CH" b="0" i="0" u="none" strike="noStrike">
+                <a:solidFill>
+                  <a:srgbClr val="DCDDDE"/>
+                </a:solidFill>
+                <a:effectLst/>
+                <a:latin typeface="Whitney"/>
+                <a:hlinkClick r:id="rId2" tooltip="http://www.041er-blj.ch/2021/projekte/ultimatepixelracers/"/>
+              </a:rPr>
+              <a:t>http://www.041er-blj.ch/2021/projekte/ultimatepixelracers/</a:t>
+            </a:r>
             <a:endParaRPr lang="de-CH" dirty="0"/>
           </a:p>
         </p:txBody>
@@ -3776,13 +3792,13 @@
   <p:clrMapOvr>
     <a:masterClrMapping/>
   </p:clrMapOvr>
-  <mc:AlternateContent xmlns:mc="http://schemas.openxmlformats.org/markup-compatibility/2006">
-    <mc:Choice xmlns:p14="http://schemas.microsoft.com/office/powerpoint/2010/main" Requires="p14">
+  <mc:AlternateContent xmlns:mc="http://schemas.openxmlformats.org/markup-compatibility/2006" xmlns:p14="http://schemas.microsoft.com/office/powerpoint/2010/main">
+    <mc:Choice Requires="p14">
       <p:transition spd="med" p14:dur="700">
         <p:fade/>
       </p:transition>
     </mc:Choice>
-    <mc:Fallback>
+    <mc:Fallback xmlns="">
       <p:transition spd="med">
         <p:fade/>
       </p:transition>
@@ -3871,13 +3887,13 @@
   <p:clrMapOvr>
     <a:masterClrMapping/>
   </p:clrMapOvr>
-  <mc:AlternateContent xmlns:mc="http://schemas.openxmlformats.org/markup-compatibility/2006">
-    <mc:Choice xmlns:p14="http://schemas.microsoft.com/office/powerpoint/2010/main" Requires="p14">
+  <mc:AlternateContent xmlns:mc="http://schemas.openxmlformats.org/markup-compatibility/2006" xmlns:p14="http://schemas.microsoft.com/office/powerpoint/2010/main">
+    <mc:Choice Requires="p14">
       <p:transition spd="med" p14:dur="700">
         <p:fade/>
       </p:transition>
     </mc:Choice>
-    <mc:Fallback>
+    <mc:Fallback xmlns="">
       <p:transition spd="med">
         <p:fade/>
       </p:transition>
@@ -3969,13 +3985,13 @@
   <p:clrMapOvr>
     <a:masterClrMapping/>
   </p:clrMapOvr>
-  <mc:AlternateContent xmlns:mc="http://schemas.openxmlformats.org/markup-compatibility/2006">
-    <mc:Choice xmlns:p14="http://schemas.microsoft.com/office/powerpoint/2010/main" Requires="p14">
+  <mc:AlternateContent xmlns:mc="http://schemas.openxmlformats.org/markup-compatibility/2006" xmlns:p14="http://schemas.microsoft.com/office/powerpoint/2010/main">
+    <mc:Choice Requires="p14">
       <p:transition spd="med" p14:dur="700">
         <p:fade/>
       </p:transition>
     </mc:Choice>
-    <mc:Fallback>
+    <mc:Fallback xmlns="">
       <p:transition spd="med">
         <p:fade/>
       </p:transition>
@@ -4085,13 +4101,13 @@
   <p:clrMapOvr>
     <a:masterClrMapping/>
   </p:clrMapOvr>
-  <mc:AlternateContent xmlns:mc="http://schemas.openxmlformats.org/markup-compatibility/2006">
-    <mc:Choice xmlns:p14="http://schemas.microsoft.com/office/powerpoint/2010/main" Requires="p14">
+  <mc:AlternateContent xmlns:mc="http://schemas.openxmlformats.org/markup-compatibility/2006" xmlns:p14="http://schemas.microsoft.com/office/powerpoint/2010/main">
+    <mc:Choice Requires="p14">
       <p:transition spd="med" p14:dur="700">
         <p:fade/>
       </p:transition>
     </mc:Choice>
-    <mc:Fallback>
+    <mc:Fallback xmlns="">
       <p:transition spd="med">
         <p:fade/>
       </p:transition>
@@ -4237,13 +4253,13 @@
   <p:clrMapOvr>
     <a:masterClrMapping/>
   </p:clrMapOvr>
-  <mc:AlternateContent xmlns:mc="http://schemas.openxmlformats.org/markup-compatibility/2006">
-    <mc:Choice xmlns:p14="http://schemas.microsoft.com/office/powerpoint/2010/main" Requires="p14">
+  <mc:AlternateContent xmlns:mc="http://schemas.openxmlformats.org/markup-compatibility/2006" xmlns:p14="http://schemas.microsoft.com/office/powerpoint/2010/main">
+    <mc:Choice Requires="p14">
       <p:transition spd="med" p14:dur="700">
         <p:fade/>
       </p:transition>
     </mc:Choice>
-    <mc:Fallback>
+    <mc:Fallback xmlns="">
       <p:transition spd="med">
         <p:fade/>
       </p:transition>
@@ -4371,13 +4387,13 @@
   <p:clrMapOvr>
     <a:masterClrMapping/>
   </p:clrMapOvr>
-  <mc:AlternateContent xmlns:mc="http://schemas.openxmlformats.org/markup-compatibility/2006">
-    <mc:Choice xmlns:p14="http://schemas.microsoft.com/office/powerpoint/2010/main" Requires="p14">
+  <mc:AlternateContent xmlns:mc="http://schemas.openxmlformats.org/markup-compatibility/2006" xmlns:p14="http://schemas.microsoft.com/office/powerpoint/2010/main">
+    <mc:Choice Requires="p14">
       <p:transition spd="med" p14:dur="700">
         <p:fade/>
       </p:transition>
     </mc:Choice>
-    <mc:Fallback>
+    <mc:Fallback xmlns="">
       <p:transition spd="med">
         <p:fade/>
       </p:transition>
@@ -4517,13 +4533,13 @@
   <p:clrMapOvr>
     <a:masterClrMapping/>
   </p:clrMapOvr>
-  <mc:AlternateContent xmlns:mc="http://schemas.openxmlformats.org/markup-compatibility/2006">
-    <mc:Choice xmlns:p14="http://schemas.microsoft.com/office/powerpoint/2010/main" Requires="p14">
+  <mc:AlternateContent xmlns:mc="http://schemas.openxmlformats.org/markup-compatibility/2006" xmlns:p14="http://schemas.microsoft.com/office/powerpoint/2010/main">
+    <mc:Choice Requires="p14">
       <p:transition spd="med" p14:dur="700">
         <p:fade/>
       </p:transition>
     </mc:Choice>
-    <mc:Fallback>
+    <mc:Fallback xmlns="">
       <p:transition spd="med">
         <p:fade/>
       </p:transition>
@@ -4650,13 +4666,13 @@
   <p:clrMapOvr>
     <a:masterClrMapping/>
   </p:clrMapOvr>
-  <mc:AlternateContent xmlns:mc="http://schemas.openxmlformats.org/markup-compatibility/2006">
-    <mc:Choice xmlns:p14="http://schemas.microsoft.com/office/powerpoint/2010/main" Requires="p14">
+  <mc:AlternateContent xmlns:mc="http://schemas.openxmlformats.org/markup-compatibility/2006" xmlns:p14="http://schemas.microsoft.com/office/powerpoint/2010/main">
+    <mc:Choice Requires="p14">
       <p:transition spd="med" p14:dur="700">
         <p:fade/>
       </p:transition>
     </mc:Choice>
-    <mc:Fallback>
+    <mc:Fallback xmlns="">
       <p:transition spd="med">
         <p:fade/>
       </p:transition>
@@ -4772,13 +4788,13 @@
   <p:clrMapOvr>
     <a:masterClrMapping/>
   </p:clrMapOvr>
-  <mc:AlternateContent xmlns:mc="http://schemas.openxmlformats.org/markup-compatibility/2006">
-    <mc:Choice xmlns:p14="http://schemas.microsoft.com/office/powerpoint/2010/main" Requires="p14">
+  <mc:AlternateContent xmlns:mc="http://schemas.openxmlformats.org/markup-compatibility/2006" xmlns:p14="http://schemas.microsoft.com/office/powerpoint/2010/main">
+    <mc:Choice Requires="p14">
       <p:transition spd="med" p14:dur="700">
         <p:fade/>
       </p:transition>
     </mc:Choice>
-    <mc:Fallback>
+    <mc:Fallback xmlns="">
       <p:transition spd="med">
         <p:fade/>
       </p:transition>
@@ -4912,13 +4928,13 @@
   <p:clrMapOvr>
     <a:masterClrMapping/>
   </p:clrMapOvr>
-  <mc:AlternateContent xmlns:mc="http://schemas.openxmlformats.org/markup-compatibility/2006">
-    <mc:Choice xmlns:p14="http://schemas.microsoft.com/office/powerpoint/2010/main" Requires="p14">
+  <mc:AlternateContent xmlns:mc="http://schemas.openxmlformats.org/markup-compatibility/2006" xmlns:p14="http://schemas.microsoft.com/office/powerpoint/2010/main">
+    <mc:Choice Requires="p14">
       <p:transition spd="med" p14:dur="700">
         <p:fade/>
       </p:transition>
     </mc:Choice>
-    <mc:Fallback>
+    <mc:Fallback xmlns="">
       <p:transition spd="med">
         <p:fade/>
       </p:transition>
@@ -5025,13 +5041,13 @@
   <p:clrMapOvr>
     <a:masterClrMapping/>
   </p:clrMapOvr>
-  <mc:AlternateContent xmlns:mc="http://schemas.openxmlformats.org/markup-compatibility/2006">
-    <mc:Choice xmlns:p14="http://schemas.microsoft.com/office/powerpoint/2010/main" Requires="p14">
+  <mc:AlternateContent xmlns:mc="http://schemas.openxmlformats.org/markup-compatibility/2006" xmlns:p14="http://schemas.microsoft.com/office/powerpoint/2010/main">
+    <mc:Choice Requires="p14">
       <p:transition spd="med" p14:dur="700">
         <p:fade/>
       </p:transition>
     </mc:Choice>
-    <mc:Fallback>
+    <mc:Fallback xmlns="">
       <p:transition spd="med">
         <p:fade/>
       </p:transition>

--- a/Ultimate Pixel Racers Presi.pptx
+++ b/Ultimate Pixel Racers Presi.pptx
@@ -4089,6 +4089,13 @@
               <a:t>Man fährt gegen die Zeit</a:t>
             </a:r>
           </a:p>
+          <a:p>
+            <a:r>
+              <a:rPr lang="de-CH"/>
+              <a:t>Ich benutze p5Js</a:t>
+            </a:r>
+            <a:endParaRPr lang="de-CH" dirty="0"/>
+          </a:p>
         </p:txBody>
       </p:sp>
     </p:spTree>

--- a/Ultimate Pixel Racers Presi.pptx
+++ b/Ultimate Pixel Racers Presi.pptx
@@ -291,7 +291,7 @@
           <a:p>
             <a:fld id="{48A87A34-81AB-432B-8DAE-1953F412C126}" type="datetimeFigureOut">
               <a:rPr lang="en-US" dirty="0"/>
-              <a:t>1/14/2022</a:t>
+              <a:t>1/19/2022</a:t>
             </a:fld>
             <a:endParaRPr lang="en-US" dirty="0"/>
           </a:p>
@@ -497,7 +497,7 @@
           <a:p>
             <a:fld id="{48A87A34-81AB-432B-8DAE-1953F412C126}" type="datetimeFigureOut">
               <a:rPr lang="en-US" dirty="0"/>
-              <a:t>1/14/2022</a:t>
+              <a:t>1/19/2022</a:t>
             </a:fld>
             <a:endParaRPr lang="en-US" dirty="0"/>
           </a:p>
@@ -707,7 +707,7 @@
           <a:p>
             <a:fld id="{48A87A34-81AB-432B-8DAE-1953F412C126}" type="datetimeFigureOut">
               <a:rPr lang="en-US" dirty="0"/>
-              <a:t>1/14/2022</a:t>
+              <a:t>1/19/2022</a:t>
             </a:fld>
             <a:endParaRPr lang="en-US" dirty="0"/>
           </a:p>
@@ -903,7 +903,7 @@
           <a:p>
             <a:fld id="{48A87A34-81AB-432B-8DAE-1953F412C126}" type="datetimeFigureOut">
               <a:rPr lang="en-US" dirty="0"/>
-              <a:t>1/14/2022</a:t>
+              <a:t>1/19/2022</a:t>
             </a:fld>
             <a:endParaRPr lang="en-US" dirty="0"/>
           </a:p>
@@ -1177,7 +1177,7 @@
           <a:p>
             <a:fld id="{48A87A34-81AB-432B-8DAE-1953F412C126}" type="datetimeFigureOut">
               <a:rPr lang="en-US" dirty="0"/>
-              <a:t>1/14/2022</a:t>
+              <a:t>1/19/2022</a:t>
             </a:fld>
             <a:endParaRPr lang="en-US" dirty="0"/>
           </a:p>
@@ -1440,7 +1440,7 @@
           <a:p>
             <a:fld id="{48A87A34-81AB-432B-8DAE-1953F412C126}" type="datetimeFigureOut">
               <a:rPr lang="en-US" dirty="0"/>
-              <a:t>1/14/2022</a:t>
+              <a:t>1/19/2022</a:t>
             </a:fld>
             <a:endParaRPr lang="en-US" dirty="0"/>
           </a:p>
@@ -1851,7 +1851,7 @@
           <a:p>
             <a:fld id="{48A87A34-81AB-432B-8DAE-1953F412C126}" type="datetimeFigureOut">
               <a:rPr lang="en-US" dirty="0"/>
-              <a:t>1/14/2022</a:t>
+              <a:t>1/19/2022</a:t>
             </a:fld>
             <a:endParaRPr lang="en-US" dirty="0"/>
           </a:p>
@@ -1995,7 +1995,7 @@
           <a:p>
             <a:fld id="{48A87A34-81AB-432B-8DAE-1953F412C126}" type="datetimeFigureOut">
               <a:rPr lang="en-US" dirty="0"/>
-              <a:t>1/14/2022</a:t>
+              <a:t>1/19/2022</a:t>
             </a:fld>
             <a:endParaRPr lang="en-US" dirty="0"/>
           </a:p>
@@ -2116,7 +2116,7 @@
           <a:p>
             <a:fld id="{48A87A34-81AB-432B-8DAE-1953F412C126}" type="datetimeFigureOut">
               <a:rPr lang="en-US" dirty="0"/>
-              <a:t>1/14/2022</a:t>
+              <a:t>1/19/2022</a:t>
             </a:fld>
             <a:endParaRPr lang="en-US" dirty="0"/>
           </a:p>
@@ -2362,7 +2362,7 @@
           <a:p>
             <a:fld id="{48A87A34-81AB-432B-8DAE-1953F412C126}" type="datetimeFigureOut">
               <a:rPr lang="en-US" dirty="0"/>
-              <a:t>1/14/2022</a:t>
+              <a:t>1/19/2022</a:t>
             </a:fld>
             <a:endParaRPr lang="en-US" dirty="0"/>
           </a:p>
@@ -2803,7 +2803,7 @@
             <a:fld id="{48A87A34-81AB-432B-8DAE-1953F412C126}" type="datetimeFigureOut">
               <a:rPr lang="en-US" dirty="0"/>
               <a:pPr/>
-              <a:t>1/14/2022</a:t>
+              <a:t>1/19/2022</a:t>
             </a:fld>
             <a:endParaRPr lang="en-US" dirty="0"/>
           </a:p>
@@ -3126,7 +3126,7 @@
             <a:fld id="{48A87A34-81AB-432B-8DAE-1953F412C126}" type="datetimeFigureOut">
               <a:rPr lang="en-US" dirty="0"/>
               <a:pPr/>
-              <a:t>1/14/2022</a:t>
+              <a:t>1/19/2022</a:t>
             </a:fld>
             <a:endParaRPr lang="en-US" dirty="0"/>
           </a:p>
@@ -4647,18 +4647,18 @@
           <a:p>
             <a:r>
               <a:rPr lang="de-CH" dirty="0"/>
-              <a:t>wurde gelöst, mit viel mühen </a:t>
+              <a:t>wurde gelöst, mit viel mühen und fragen</a:t>
+            </a:r>
+          </a:p>
+          <a:p>
+            <a:r>
+              <a:rPr lang="de-CH" dirty="0"/>
+              <a:t>Danke </a:t>
             </a:r>
             <a:r>
               <a:rPr lang="de-CH"/>
-              <a:t>und fragen</a:t>
-            </a:r>
-            <a:endParaRPr lang="de-CH" dirty="0"/>
-          </a:p>
-          <a:p>
-            <a:pPr marL="0" indent="0">
-              <a:buNone/>
-            </a:pPr>
+              <a:t>an Urs</a:t>
+            </a:r>
             <a:endParaRPr lang="de-CH" dirty="0"/>
           </a:p>
         </p:txBody>
